--- a/src/d191016/choyongsu/조용수 10.16 발표과제.pptx
+++ b/src/d191016/choyongsu/조용수 10.16 발표과제.pptx
@@ -8300,6 +8300,36 @@
           </a:sp3d>
         </p:spPr>
       </p:pic>
+      <p:pic>
+        <p:nvPicPr>
+          <p:cNvPr id="4" name="그림 3"/>
+          <p:cNvPicPr>
+            <a:picLocks noChangeAspect="1"/>
+          </p:cNvPicPr>
+          <p:nvPr/>
+        </p:nvPicPr>
+        <p:blipFill>
+          <a:blip r:embed="rId4">
+            <a:extLst>
+              <a:ext uri="{28A0092B-C50C-407E-A947-70E740481C1C}">
+                <a14:useLocalDpi xmlns:a14="http://schemas.microsoft.com/office/drawing/2010/main" val="0"/>
+              </a:ext>
+            </a:extLst>
+          </a:blip>
+          <a:stretch>
+            <a:fillRect/>
+          </a:stretch>
+        </p:blipFill>
+        <p:spPr>
+          <a:xfrm>
+            <a:off x="2617076" y="1456660"/>
+            <a:ext cx="6957848" cy="3907099"/>
+          </a:xfrm>
+          <a:prstGeom prst="rect">
+            <a:avLst/>
+          </a:prstGeom>
+        </p:spPr>
+      </p:pic>
     </p:spTree>
     <p:extLst>
       <p:ext uri="{BB962C8B-B14F-4D97-AF65-F5344CB8AC3E}">
@@ -8429,6 +8459,59 @@
                                         <p:cTn id="13" dur="500"/>
                                         <p:tgtEl>
                                           <p:spTgt spid="3"/>
+                                        </p:tgtEl>
+                                      </p:cBhvr>
+                                    </p:animEffect>
+                                  </p:childTnLst>
+                                </p:cTn>
+                              </p:par>
+                            </p:childTnLst>
+                          </p:cTn>
+                        </p:par>
+                      </p:childTnLst>
+                    </p:cTn>
+                  </p:par>
+                  <p:par>
+                    <p:cTn id="14" fill="hold">
+                      <p:stCondLst>
+                        <p:cond delay="indefinite"/>
+                      </p:stCondLst>
+                      <p:childTnLst>
+                        <p:par>
+                          <p:cTn id="15" fill="hold">
+                            <p:stCondLst>
+                              <p:cond delay="0"/>
+                            </p:stCondLst>
+                            <p:childTnLst>
+                              <p:par>
+                                <p:cTn id="16" presetID="10" presetClass="entr" presetSubtype="0" fill="hold" nodeType="clickEffect">
+                                  <p:stCondLst>
+                                    <p:cond delay="0"/>
+                                  </p:stCondLst>
+                                  <p:childTnLst>
+                                    <p:set>
+                                      <p:cBhvr>
+                                        <p:cTn id="17" dur="1" fill="hold">
+                                          <p:stCondLst>
+                                            <p:cond delay="0"/>
+                                          </p:stCondLst>
+                                        </p:cTn>
+                                        <p:tgtEl>
+                                          <p:spTgt spid="4"/>
+                                        </p:tgtEl>
+                                        <p:attrNameLst>
+                                          <p:attrName>style.visibility</p:attrName>
+                                        </p:attrNameLst>
+                                      </p:cBhvr>
+                                      <p:to>
+                                        <p:strVal val="visible"/>
+                                      </p:to>
+                                    </p:set>
+                                    <p:animEffect transition="in" filter="fade">
+                                      <p:cBhvr>
+                                        <p:cTn id="18" dur="500"/>
+                                        <p:tgtEl>
+                                          <p:spTgt spid="4"/>
                                         </p:tgtEl>
                                       </p:cBhvr>
                                     </p:animEffect>
